--- a/类图迭代.pptx
+++ b/类图迭代.pptx
@@ -6,12 +6,15 @@
   </p:sldMasterIdLst>
   <p:sldIdLst>
     <p:sldId id="256" r:id="rId2"/>
-    <p:sldId id="257" r:id="rId3"/>
-    <p:sldId id="258" r:id="rId4"/>
-    <p:sldId id="259" r:id="rId5"/>
-    <p:sldId id="260" r:id="rId6"/>
-    <p:sldId id="261" r:id="rId7"/>
-    <p:sldId id="262" r:id="rId8"/>
+    <p:sldId id="263" r:id="rId3"/>
+    <p:sldId id="257" r:id="rId4"/>
+    <p:sldId id="258" r:id="rId5"/>
+    <p:sldId id="259" r:id="rId6"/>
+    <p:sldId id="260" r:id="rId7"/>
+    <p:sldId id="261" r:id="rId8"/>
+    <p:sldId id="264" r:id="rId9"/>
+    <p:sldId id="265" r:id="rId10"/>
+    <p:sldId id="262" r:id="rId11"/>
   </p:sldIdLst>
   <p:sldSz cx="12192000" cy="6858000"/>
   <p:notesSz cx="6858000" cy="9144000"/>
@@ -249,7 +252,7 @@
           <a:p>
             <a:fld id="{8FFCD76E-C23F-4B19-9FE4-B3382C9C6030}" type="datetimeFigureOut">
               <a:rPr lang="zh-CN" altLang="en-US" smtClean="0"/>
-              <a:t>2015/11/30</a:t>
+              <a:t>2015/12/01</a:t>
             </a:fld>
             <a:endParaRPr lang="zh-CN" altLang="en-US"/>
           </a:p>
@@ -419,7 +422,7 @@
           <a:p>
             <a:fld id="{8FFCD76E-C23F-4B19-9FE4-B3382C9C6030}" type="datetimeFigureOut">
               <a:rPr lang="zh-CN" altLang="en-US" smtClean="0"/>
-              <a:t>2015/11/30</a:t>
+              <a:t>2015/12/01</a:t>
             </a:fld>
             <a:endParaRPr lang="zh-CN" altLang="en-US"/>
           </a:p>
@@ -599,7 +602,7 @@
           <a:p>
             <a:fld id="{8FFCD76E-C23F-4B19-9FE4-B3382C9C6030}" type="datetimeFigureOut">
               <a:rPr lang="zh-CN" altLang="en-US" smtClean="0"/>
-              <a:t>2015/11/30</a:t>
+              <a:t>2015/12/01</a:t>
             </a:fld>
             <a:endParaRPr lang="zh-CN" altLang="en-US"/>
           </a:p>
@@ -769,7 +772,7 @@
           <a:p>
             <a:fld id="{8FFCD76E-C23F-4B19-9FE4-B3382C9C6030}" type="datetimeFigureOut">
               <a:rPr lang="zh-CN" altLang="en-US" smtClean="0"/>
-              <a:t>2015/11/30</a:t>
+              <a:t>2015/12/01</a:t>
             </a:fld>
             <a:endParaRPr lang="zh-CN" altLang="en-US"/>
           </a:p>
@@ -1015,7 +1018,7 @@
           <a:p>
             <a:fld id="{8FFCD76E-C23F-4B19-9FE4-B3382C9C6030}" type="datetimeFigureOut">
               <a:rPr lang="zh-CN" altLang="en-US" smtClean="0"/>
-              <a:t>2015/11/30</a:t>
+              <a:t>2015/12/01</a:t>
             </a:fld>
             <a:endParaRPr lang="zh-CN" altLang="en-US"/>
           </a:p>
@@ -1247,7 +1250,7 @@
           <a:p>
             <a:fld id="{8FFCD76E-C23F-4B19-9FE4-B3382C9C6030}" type="datetimeFigureOut">
               <a:rPr lang="zh-CN" altLang="en-US" smtClean="0"/>
-              <a:t>2015/11/30</a:t>
+              <a:t>2015/12/01</a:t>
             </a:fld>
             <a:endParaRPr lang="zh-CN" altLang="en-US"/>
           </a:p>
@@ -1614,7 +1617,7 @@
           <a:p>
             <a:fld id="{8FFCD76E-C23F-4B19-9FE4-B3382C9C6030}" type="datetimeFigureOut">
               <a:rPr lang="zh-CN" altLang="en-US" smtClean="0"/>
-              <a:t>2015/11/30</a:t>
+              <a:t>2015/12/01</a:t>
             </a:fld>
             <a:endParaRPr lang="zh-CN" altLang="en-US"/>
           </a:p>
@@ -1732,7 +1735,7 @@
           <a:p>
             <a:fld id="{8FFCD76E-C23F-4B19-9FE4-B3382C9C6030}" type="datetimeFigureOut">
               <a:rPr lang="zh-CN" altLang="en-US" smtClean="0"/>
-              <a:t>2015/11/30</a:t>
+              <a:t>2015/12/01</a:t>
             </a:fld>
             <a:endParaRPr lang="zh-CN" altLang="en-US"/>
           </a:p>
@@ -1827,7 +1830,7 @@
           <a:p>
             <a:fld id="{8FFCD76E-C23F-4B19-9FE4-B3382C9C6030}" type="datetimeFigureOut">
               <a:rPr lang="zh-CN" altLang="en-US" smtClean="0"/>
-              <a:t>2015/11/30</a:t>
+              <a:t>2015/12/01</a:t>
             </a:fld>
             <a:endParaRPr lang="zh-CN" altLang="en-US"/>
           </a:p>
@@ -2104,7 +2107,7 @@
           <a:p>
             <a:fld id="{8FFCD76E-C23F-4B19-9FE4-B3382C9C6030}" type="datetimeFigureOut">
               <a:rPr lang="zh-CN" altLang="en-US" smtClean="0"/>
-              <a:t>2015/11/30</a:t>
+              <a:t>2015/12/01</a:t>
             </a:fld>
             <a:endParaRPr lang="zh-CN" altLang="en-US"/>
           </a:p>
@@ -2357,7 +2360,7 @@
           <a:p>
             <a:fld id="{8FFCD76E-C23F-4B19-9FE4-B3382C9C6030}" type="datetimeFigureOut">
               <a:rPr lang="zh-CN" altLang="en-US" smtClean="0"/>
-              <a:t>2015/11/30</a:t>
+              <a:t>2015/12/01</a:t>
             </a:fld>
             <a:endParaRPr lang="zh-CN" altLang="en-US"/>
           </a:p>
@@ -2570,7 +2573,7 @@
           <a:p>
             <a:fld id="{8FFCD76E-C23F-4B19-9FE4-B3382C9C6030}" type="datetimeFigureOut">
               <a:rPr lang="zh-CN" altLang="en-US" smtClean="0"/>
-              <a:t>2015/11/30</a:t>
+              <a:t>2015/12/01</a:t>
             </a:fld>
             <a:endParaRPr lang="zh-CN" altLang="en-US"/>
           </a:p>
@@ -2961,6 +2964,14 @@
 <file path=ppt/slides/slide1.xml><?xml version="1.0" encoding="utf-8"?>
 <p:sld xmlns:a="http://schemas.openxmlformats.org/drawingml/2006/main" xmlns:r="http://schemas.openxmlformats.org/officeDocument/2006/relationships" xmlns:p="http://schemas.openxmlformats.org/presentationml/2006/main">
   <p:cSld>
+    <p:bg>
+      <p:bgPr>
+        <a:solidFill>
+          <a:schemeClr val="accent1"/>
+        </a:solidFill>
+        <a:effectLst/>
+      </p:bgPr>
+    </p:bg>
     <p:spTree>
       <p:nvGrpSpPr>
         <p:cNvPr id="1" name=""/>
@@ -2983,8 +2994,8 @@
         </p:nvSpPr>
         <p:spPr>
           <a:xfrm>
-            <a:off x="4129839" y="2977816"/>
-            <a:ext cx="2646878" cy="584775"/>
+            <a:off x="4454691" y="2929690"/>
+            <a:ext cx="3467616" cy="584775"/>
           </a:xfrm>
           <a:prstGeom prst="rect">
             <a:avLst/>
@@ -2999,6 +3010,9 @@
           <a:p>
             <a:r>
               <a:rPr lang="zh-CN" altLang="en-US" sz="3200" dirty="0">
+                <a:solidFill>
+                  <a:schemeClr val="bg1"/>
+                </a:solidFill>
                 <a:latin typeface="黑体" panose="02010609060101010101" pitchFamily="49" charset="-122"/>
                 <a:ea typeface="黑体" panose="02010609060101010101" pitchFamily="49" charset="-122"/>
               </a:rPr>
@@ -3006,6 +3020,9 @@
             </a:r>
             <a:r>
               <a:rPr lang="zh-CN" altLang="en-US" sz="3200" dirty="0" smtClean="0">
+                <a:solidFill>
+                  <a:schemeClr val="bg1"/>
+                </a:solidFill>
                 <a:latin typeface="黑体" panose="02010609060101010101" pitchFamily="49" charset="-122"/>
                 <a:ea typeface="黑体" panose="02010609060101010101" pitchFamily="49" charset="-122"/>
               </a:rPr>
@@ -3013,12 +3030,18 @@
             </a:r>
             <a:r>
               <a:rPr lang="zh-CN" altLang="en-US" sz="3200" dirty="0" smtClean="0">
+                <a:solidFill>
+                  <a:schemeClr val="bg1"/>
+                </a:solidFill>
                 <a:latin typeface="黑体" panose="02010609060101010101" pitchFamily="49" charset="-122"/>
                 <a:ea typeface="黑体" panose="02010609060101010101" pitchFamily="49" charset="-122"/>
               </a:rPr>
-              <a:t>图</a:t>
+              <a:t>图迭代</a:t>
             </a:r>
             <a:endParaRPr lang="zh-CN" altLang="en-US" sz="3200" dirty="0">
+              <a:solidFill>
+                <a:schemeClr val="bg1"/>
+              </a:solidFill>
               <a:latin typeface="黑体" panose="02010609060101010101" pitchFamily="49" charset="-122"/>
               <a:ea typeface="黑体" panose="02010609060101010101" pitchFamily="49" charset="-122"/>
             </a:endParaRPr>
@@ -3045,9 +3068,17 @@
 </p:sld>
 </file>
 
-<file path=ppt/slides/slide2.xml><?xml version="1.0" encoding="utf-8"?>
+<file path=ppt/slides/slide10.xml><?xml version="1.0" encoding="utf-8"?>
 <p:sld xmlns:a="http://schemas.openxmlformats.org/drawingml/2006/main" xmlns:r="http://schemas.openxmlformats.org/officeDocument/2006/relationships" xmlns:p="http://schemas.openxmlformats.org/presentationml/2006/main">
   <p:cSld>
+    <p:bg>
+      <p:bgPr>
+        <a:solidFill>
+          <a:schemeClr val="accent1"/>
+        </a:solidFill>
+        <a:effectLst/>
+      </p:bgPr>
+    </p:bg>
     <p:spTree>
       <p:nvGrpSpPr>
         <p:cNvPr id="1" name=""/>
@@ -3062,34 +3093,349 @@
           <a:chExt cx="0" cy="0"/>
         </a:xfrm>
       </p:grpSpPr>
-      <p:pic>
-        <p:nvPicPr>
-          <p:cNvPr id="4" name="图片 3"/>
-          <p:cNvPicPr>
-            <a:picLocks noChangeAspect="1"/>
-          </p:cNvPicPr>
+      <p:sp>
+        <p:nvSpPr>
+          <p:cNvPr id="4" name="文本框 3"/>
+          <p:cNvSpPr txBox="1"/>
           <p:nvPr/>
-        </p:nvPicPr>
-        <p:blipFill>
-          <a:blip r:embed="rId2"/>
-          <a:stretch>
-            <a:fillRect/>
-          </a:stretch>
-        </p:blipFill>
-        <p:spPr>
-          <a:xfrm>
-            <a:off x="2564472" y="171449"/>
-            <a:ext cx="6560478" cy="6400801"/>
+        </p:nvSpPr>
+        <p:spPr>
+          <a:xfrm>
+            <a:off x="5609306" y="686373"/>
+            <a:ext cx="1213794" cy="707886"/>
           </a:xfrm>
           <a:prstGeom prst="rect">
             <a:avLst/>
           </a:prstGeom>
-        </p:spPr>
-      </p:pic>
+          <a:noFill/>
+        </p:spPr>
+        <p:txBody>
+          <a:bodyPr wrap="none" rtlCol="0">
+            <a:spAutoFit/>
+          </a:bodyPr>
+          <a:lstStyle/>
+          <a:p>
+            <a:r>
+              <a:rPr lang="zh-CN" altLang="en-US" sz="4000" b="1" dirty="0" smtClean="0">
+                <a:solidFill>
+                  <a:schemeClr val="bg1"/>
+                </a:solidFill>
+                <a:latin typeface="黑体" panose="02010609060101010101" pitchFamily="49" charset="-122"/>
+                <a:ea typeface="黑体" panose="02010609060101010101" pitchFamily="49" charset="-122"/>
+              </a:rPr>
+              <a:t>总结</a:t>
+            </a:r>
+            <a:endParaRPr lang="zh-CN" altLang="en-US" sz="4000" b="1" dirty="0">
+              <a:solidFill>
+                <a:schemeClr val="bg1"/>
+              </a:solidFill>
+              <a:latin typeface="黑体" panose="02010609060101010101" pitchFamily="49" charset="-122"/>
+              <a:ea typeface="黑体" panose="02010609060101010101" pitchFamily="49" charset="-122"/>
+            </a:endParaRPr>
+          </a:p>
+        </p:txBody>
+      </p:sp>
+      <p:sp>
+        <p:nvSpPr>
+          <p:cNvPr id="6" name="文本框 5"/>
+          <p:cNvSpPr txBox="1"/>
+          <p:nvPr/>
+        </p:nvSpPr>
+        <p:spPr>
+          <a:xfrm>
+            <a:off x="1262743" y="2574358"/>
+            <a:ext cx="1731564" cy="461665"/>
+          </a:xfrm>
+          <a:prstGeom prst="rect">
+            <a:avLst/>
+          </a:prstGeom>
+          <a:noFill/>
+        </p:spPr>
+        <p:txBody>
+          <a:bodyPr wrap="none" rtlCol="0">
+            <a:spAutoFit/>
+          </a:bodyPr>
+          <a:lstStyle/>
+          <a:p>
+            <a:r>
+              <a:rPr lang="zh-CN" altLang="en-US" sz="2400" b="1" dirty="0" smtClean="0">
+                <a:solidFill>
+                  <a:schemeClr val="bg1"/>
+                </a:solidFill>
+                <a:latin typeface="黑体" panose="02010609060101010101" pitchFamily="49" charset="-122"/>
+                <a:ea typeface="黑体" panose="02010609060101010101" pitchFamily="49" charset="-122"/>
+              </a:rPr>
+              <a:t>完成的内容</a:t>
+            </a:r>
+            <a:endParaRPr lang="zh-CN" altLang="en-US" sz="2400" b="1" dirty="0">
+              <a:solidFill>
+                <a:schemeClr val="bg1"/>
+              </a:solidFill>
+              <a:latin typeface="黑体" panose="02010609060101010101" pitchFamily="49" charset="-122"/>
+              <a:ea typeface="黑体" panose="02010609060101010101" pitchFamily="49" charset="-122"/>
+            </a:endParaRPr>
+          </a:p>
+        </p:txBody>
+      </p:sp>
+      <p:sp>
+        <p:nvSpPr>
+          <p:cNvPr id="7" name="文本框 6"/>
+          <p:cNvSpPr txBox="1"/>
+          <p:nvPr/>
+        </p:nvSpPr>
+        <p:spPr>
+          <a:xfrm>
+            <a:off x="7916015" y="2574359"/>
+            <a:ext cx="2040943" cy="461665"/>
+          </a:xfrm>
+          <a:prstGeom prst="rect">
+            <a:avLst/>
+          </a:prstGeom>
+          <a:noFill/>
+        </p:spPr>
+        <p:txBody>
+          <a:bodyPr wrap="none" rtlCol="0">
+            <a:spAutoFit/>
+          </a:bodyPr>
+          <a:lstStyle/>
+          <a:p>
+            <a:r>
+              <a:rPr lang="zh-CN" altLang="en-US" sz="2400" b="1" dirty="0" smtClean="0">
+                <a:solidFill>
+                  <a:schemeClr val="bg1"/>
+                </a:solidFill>
+                <a:latin typeface="黑体" panose="02010609060101010101" pitchFamily="49" charset="-122"/>
+                <a:ea typeface="黑体" panose="02010609060101010101" pitchFamily="49" charset="-122"/>
+              </a:rPr>
+              <a:t>待改进的地方</a:t>
+            </a:r>
+            <a:endParaRPr lang="zh-CN" altLang="en-US" sz="2400" b="1" dirty="0">
+              <a:solidFill>
+                <a:schemeClr val="bg1"/>
+              </a:solidFill>
+              <a:latin typeface="黑体" panose="02010609060101010101" pitchFamily="49" charset="-122"/>
+              <a:ea typeface="黑体" panose="02010609060101010101" pitchFamily="49" charset="-122"/>
+            </a:endParaRPr>
+          </a:p>
+        </p:txBody>
+      </p:sp>
+      <p:sp>
+        <p:nvSpPr>
+          <p:cNvPr id="2" name="文本框 1"/>
+          <p:cNvSpPr txBox="1"/>
+          <p:nvPr/>
+        </p:nvSpPr>
+        <p:spPr>
+          <a:xfrm>
+            <a:off x="1262743" y="3790632"/>
+            <a:ext cx="2954655" cy="1231106"/>
+          </a:xfrm>
+          <a:prstGeom prst="rect">
+            <a:avLst/>
+          </a:prstGeom>
+          <a:noFill/>
+        </p:spPr>
+        <p:txBody>
+          <a:bodyPr wrap="none" rtlCol="0">
+            <a:spAutoFit/>
+          </a:bodyPr>
+          <a:lstStyle/>
+          <a:p>
+            <a:r>
+              <a:rPr lang="zh-CN" altLang="en-US" dirty="0" smtClean="0">
+                <a:solidFill>
+                  <a:schemeClr val="bg1"/>
+                </a:solidFill>
+              </a:rPr>
+              <a:t>熟悉了类图迭代的基本流程</a:t>
+            </a:r>
+            <a:endParaRPr lang="en-US" altLang="zh-CN" dirty="0" smtClean="0">
+              <a:solidFill>
+                <a:schemeClr val="bg1"/>
+              </a:solidFill>
+            </a:endParaRPr>
+          </a:p>
+          <a:p>
+            <a:r>
+              <a:rPr lang="zh-CN" altLang="en-US" dirty="0" smtClean="0">
+                <a:solidFill>
+                  <a:schemeClr val="bg1"/>
+                </a:solidFill>
+              </a:rPr>
+              <a:t>完成了各类</a:t>
+            </a:r>
+            <a:r>
+              <a:rPr lang="en-US" altLang="zh-CN" dirty="0" smtClean="0">
+                <a:solidFill>
+                  <a:schemeClr val="bg1"/>
+                </a:solidFill>
+              </a:rPr>
+              <a:t>UML</a:t>
+            </a:r>
+            <a:r>
+              <a:rPr lang="zh-CN" altLang="en-US" dirty="0" smtClean="0">
+                <a:solidFill>
+                  <a:schemeClr val="bg1"/>
+                </a:solidFill>
+              </a:rPr>
+              <a:t>的绘制</a:t>
+            </a:r>
+            <a:endParaRPr lang="en-US" altLang="zh-CN" dirty="0" smtClean="0">
+              <a:solidFill>
+                <a:schemeClr val="bg1"/>
+              </a:solidFill>
+            </a:endParaRPr>
+          </a:p>
+          <a:p>
+            <a:r>
+              <a:rPr lang="zh-CN" altLang="en-US" dirty="0">
+                <a:solidFill>
+                  <a:schemeClr val="bg1"/>
+                </a:solidFill>
+              </a:rPr>
+              <a:t>指导后期的具体开发</a:t>
+            </a:r>
+          </a:p>
+          <a:p>
+            <a:endParaRPr lang="zh-CN" altLang="en-US" dirty="0">
+              <a:solidFill>
+                <a:schemeClr val="bg1"/>
+              </a:solidFill>
+            </a:endParaRPr>
+          </a:p>
+        </p:txBody>
+      </p:sp>
+      <p:sp>
+        <p:nvSpPr>
+          <p:cNvPr id="5" name="文本框 4"/>
+          <p:cNvSpPr txBox="1"/>
+          <p:nvPr/>
+        </p:nvSpPr>
+        <p:spPr>
+          <a:xfrm>
+            <a:off x="7916015" y="3790632"/>
+            <a:ext cx="2236510" cy="400110"/>
+          </a:xfrm>
+          <a:prstGeom prst="rect">
+            <a:avLst/>
+          </a:prstGeom>
+          <a:noFill/>
+        </p:spPr>
+        <p:txBody>
+          <a:bodyPr wrap="none" rtlCol="0">
+            <a:spAutoFit/>
+          </a:bodyPr>
+          <a:lstStyle/>
+          <a:p>
+            <a:r>
+              <a:rPr lang="zh-CN" altLang="en-US" sz="2000" dirty="0" smtClean="0">
+                <a:solidFill>
+                  <a:schemeClr val="bg1"/>
+                </a:solidFill>
+              </a:rPr>
+              <a:t>图形细节有待完善</a:t>
+            </a:r>
+            <a:endParaRPr lang="en-US" altLang="zh-CN" sz="2000" dirty="0" smtClean="0">
+              <a:solidFill>
+                <a:schemeClr val="bg1"/>
+              </a:solidFill>
+            </a:endParaRPr>
+          </a:p>
+        </p:txBody>
+      </p:sp>
     </p:spTree>
     <p:extLst>
       <p:ext uri="{BB962C8B-B14F-4D97-AF65-F5344CB8AC3E}">
-        <p14:creationId xmlns:p14="http://schemas.microsoft.com/office/powerpoint/2010/main" val="3510098838"/>
+        <p14:creationId xmlns:p14="http://schemas.microsoft.com/office/powerpoint/2010/main" val="775442709"/>
+      </p:ext>
+    </p:extLst>
+  </p:cSld>
+  <p:clrMapOvr>
+    <a:masterClrMapping/>
+  </p:clrMapOvr>
+  <p:timing>
+    <p:tnLst>
+      <p:par>
+        <p:cTn id="1" dur="indefinite" restart="never" nodeType="tmRoot"/>
+      </p:par>
+    </p:tnLst>
+  </p:timing>
+</p:sld>
+</file>
+
+<file path=ppt/slides/slide2.xml><?xml version="1.0" encoding="utf-8"?>
+<p:sld xmlns:a="http://schemas.openxmlformats.org/drawingml/2006/main" xmlns:r="http://schemas.openxmlformats.org/officeDocument/2006/relationships" xmlns:p="http://schemas.openxmlformats.org/presentationml/2006/main">
+  <p:cSld>
+    <p:bg>
+      <p:bgPr>
+        <a:solidFill>
+          <a:schemeClr val="accent1">
+            <a:alpha val="87000"/>
+          </a:schemeClr>
+        </a:solidFill>
+        <a:effectLst/>
+      </p:bgPr>
+    </p:bg>
+    <p:spTree>
+      <p:nvGrpSpPr>
+        <p:cNvPr id="1" name=""/>
+        <p:cNvGrpSpPr/>
+        <p:nvPr/>
+      </p:nvGrpSpPr>
+      <p:grpSpPr>
+        <a:xfrm>
+          <a:off x="0" y="0"/>
+          <a:ext cx="0" cy="0"/>
+          <a:chOff x="0" y="0"/>
+          <a:chExt cx="0" cy="0"/>
+        </a:xfrm>
+      </p:grpSpPr>
+      <p:sp>
+        <p:nvSpPr>
+          <p:cNvPr id="2" name="文本框 1"/>
+          <p:cNvSpPr txBox="1"/>
+          <p:nvPr/>
+        </p:nvSpPr>
+        <p:spPr>
+          <a:xfrm>
+            <a:off x="5281863" y="3056021"/>
+            <a:ext cx="1620957" cy="523220"/>
+          </a:xfrm>
+          <a:prstGeom prst="rect">
+            <a:avLst/>
+          </a:prstGeom>
+          <a:noFill/>
+        </p:spPr>
+        <p:txBody>
+          <a:bodyPr wrap="none" rtlCol="0">
+            <a:spAutoFit/>
+          </a:bodyPr>
+          <a:lstStyle/>
+          <a:p>
+            <a:r>
+              <a:rPr lang="zh-CN" altLang="en-US" sz="2800" dirty="0" smtClean="0">
+                <a:solidFill>
+                  <a:schemeClr val="bg1"/>
+                </a:solidFill>
+                <a:latin typeface="黑体" panose="02010609060101010101" pitchFamily="49" charset="-122"/>
+                <a:ea typeface="黑体" panose="02010609060101010101" pitchFamily="49" charset="-122"/>
+              </a:rPr>
+              <a:t>需求介绍</a:t>
+            </a:r>
+            <a:endParaRPr lang="zh-CN" altLang="en-US" sz="2800" dirty="0">
+              <a:solidFill>
+                <a:schemeClr val="bg1"/>
+              </a:solidFill>
+              <a:latin typeface="黑体" panose="02010609060101010101" pitchFamily="49" charset="-122"/>
+              <a:ea typeface="黑体" panose="02010609060101010101" pitchFamily="49" charset="-122"/>
+            </a:endParaRPr>
+          </a:p>
+        </p:txBody>
+      </p:sp>
+    </p:spTree>
+    <p:extLst>
+      <p:ext uri="{BB962C8B-B14F-4D97-AF65-F5344CB8AC3E}">
+        <p14:creationId xmlns:p14="http://schemas.microsoft.com/office/powerpoint/2010/main" val="4266909323"/>
       </p:ext>
     </p:extLst>
   </p:cSld>
@@ -3139,8 +3485,8 @@
         </p:blipFill>
         <p:spPr>
           <a:xfrm>
-            <a:off x="2762250" y="233929"/>
-            <a:ext cx="6093165" cy="6452621"/>
+            <a:off x="2564472" y="171449"/>
+            <a:ext cx="6560478" cy="6400801"/>
           </a:xfrm>
           <a:prstGeom prst="rect">
             <a:avLst/>
@@ -3150,7 +3496,7 @@
     </p:spTree>
     <p:extLst>
       <p:ext uri="{BB962C8B-B14F-4D97-AF65-F5344CB8AC3E}">
-        <p14:creationId xmlns:p14="http://schemas.microsoft.com/office/powerpoint/2010/main" val="637231512"/>
+        <p14:creationId xmlns:p14="http://schemas.microsoft.com/office/powerpoint/2010/main" val="3510098838"/>
       </p:ext>
     </p:extLst>
   </p:cSld>
@@ -3184,70 +3530,34 @@
           <a:chExt cx="0" cy="0"/>
         </a:xfrm>
       </p:grpSpPr>
-      <p:sp>
-        <p:nvSpPr>
-          <p:cNvPr id="2" name="标题 1"/>
-          <p:cNvSpPr>
-            <a:spLocks noGrp="1"/>
-          </p:cNvSpPr>
-          <p:nvPr>
-            <p:ph type="title"/>
-          </p:nvPr>
-        </p:nvSpPr>
-        <p:spPr>
-          <a:xfrm>
-            <a:off x="952500" y="1298575"/>
-            <a:ext cx="10515600" cy="1325563"/>
-          </a:xfrm>
-        </p:spPr>
-        <p:txBody>
-          <a:bodyPr/>
-          <a:lstStyle/>
-          <a:p>
-            <a:r>
-              <a:rPr lang="zh-CN" altLang="en-US" dirty="0" smtClean="0"/>
-              <a:t>名词提取</a:t>
-            </a:r>
-            <a:endParaRPr lang="zh-CN" altLang="en-US" dirty="0"/>
-          </a:p>
-        </p:txBody>
-      </p:sp>
-      <p:sp>
-        <p:nvSpPr>
-          <p:cNvPr id="4" name="文本框 3"/>
-          <p:cNvSpPr txBox="1"/>
+      <p:pic>
+        <p:nvPicPr>
+          <p:cNvPr id="4" name="图片 3"/>
+          <p:cNvPicPr>
+            <a:picLocks noChangeAspect="1"/>
+          </p:cNvPicPr>
           <p:nvPr/>
-        </p:nvSpPr>
-        <p:spPr>
-          <a:xfrm>
-            <a:off x="485775" y="3067050"/>
-            <a:ext cx="11449050" cy="1569660"/>
+        </p:nvPicPr>
+        <p:blipFill>
+          <a:blip r:embed="rId2"/>
+          <a:stretch>
+            <a:fillRect/>
+          </a:stretch>
+        </p:blipFill>
+        <p:spPr>
+          <a:xfrm>
+            <a:off x="2762250" y="233929"/>
+            <a:ext cx="6093165" cy="6452621"/>
           </a:xfrm>
           <a:prstGeom prst="rect">
             <a:avLst/>
           </a:prstGeom>
-          <a:noFill/>
-        </p:spPr>
-        <p:txBody>
-          <a:bodyPr wrap="square" rtlCol="0">
-            <a:spAutoFit/>
-          </a:bodyPr>
-          <a:lstStyle/>
-          <a:p>
-            <a:r>
-              <a:rPr lang="zh-CN" altLang="zh-CN" sz="3200" dirty="0"/>
-              <a:t>登录用户、管理员、文章、类型、账户、评论、私信、反馈、日志</a:t>
-            </a:r>
-          </a:p>
-          <a:p>
-            <a:endParaRPr lang="zh-CN" altLang="en-US" sz="3200" dirty="0"/>
-          </a:p>
-        </p:txBody>
-      </p:sp>
+        </p:spPr>
+      </p:pic>
     </p:spTree>
     <p:extLst>
       <p:ext uri="{BB962C8B-B14F-4D97-AF65-F5344CB8AC3E}">
-        <p14:creationId xmlns:p14="http://schemas.microsoft.com/office/powerpoint/2010/main" val="1866104073"/>
+        <p14:creationId xmlns:p14="http://schemas.microsoft.com/office/powerpoint/2010/main" val="637231512"/>
       </p:ext>
     </p:extLst>
   </p:cSld>
@@ -3267,6 +3577,14 @@
 <file path=ppt/slides/slide5.xml><?xml version="1.0" encoding="utf-8"?>
 <p:sld xmlns:a="http://schemas.openxmlformats.org/drawingml/2006/main" xmlns:r="http://schemas.openxmlformats.org/officeDocument/2006/relationships" xmlns:p="http://schemas.openxmlformats.org/presentationml/2006/main">
   <p:cSld>
+    <p:bg>
+      <p:bgPr>
+        <a:solidFill>
+          <a:schemeClr val="accent1"/>
+        </a:solidFill>
+        <a:effectLst/>
+      </p:bgPr>
+    </p:bg>
     <p:spTree>
       <p:nvGrpSpPr>
         <p:cNvPr id="1" name=""/>
@@ -3283,14 +3601,54 @@
       </p:grpSpPr>
       <p:sp>
         <p:nvSpPr>
+          <p:cNvPr id="2" name="标题 1"/>
+          <p:cNvSpPr>
+            <a:spLocks noGrp="1"/>
+          </p:cNvSpPr>
+          <p:nvPr>
+            <p:ph type="title"/>
+          </p:nvPr>
+        </p:nvSpPr>
+        <p:spPr>
+          <a:xfrm>
+            <a:off x="647700" y="708025"/>
+            <a:ext cx="10515600" cy="1325563"/>
+          </a:xfrm>
+        </p:spPr>
+        <p:txBody>
+          <a:bodyPr/>
+          <a:lstStyle/>
+          <a:p>
+            <a:r>
+              <a:rPr lang="zh-CN" altLang="en-US" dirty="0" smtClean="0">
+                <a:solidFill>
+                  <a:schemeClr val="bg1"/>
+                </a:solidFill>
+                <a:latin typeface="黑体" panose="02010609060101010101" pitchFamily="49" charset="-122"/>
+                <a:ea typeface="黑体" panose="02010609060101010101" pitchFamily="49" charset="-122"/>
+              </a:rPr>
+              <a:t>名词提取</a:t>
+            </a:r>
+            <a:endParaRPr lang="zh-CN" altLang="en-US" dirty="0">
+              <a:solidFill>
+                <a:schemeClr val="bg1"/>
+              </a:solidFill>
+              <a:latin typeface="黑体" panose="02010609060101010101" pitchFamily="49" charset="-122"/>
+              <a:ea typeface="黑体" panose="02010609060101010101" pitchFamily="49" charset="-122"/>
+            </a:endParaRPr>
+          </a:p>
+        </p:txBody>
+      </p:sp>
+      <p:sp>
+        <p:nvSpPr>
           <p:cNvPr id="4" name="文本框 3"/>
           <p:cNvSpPr txBox="1"/>
           <p:nvPr/>
         </p:nvSpPr>
         <p:spPr>
           <a:xfrm>
-            <a:off x="4102768" y="1275347"/>
-            <a:ext cx="1338828" cy="369332"/>
+            <a:off x="647700" y="2535585"/>
+            <a:ext cx="11449050" cy="1077218"/>
           </a:xfrm>
           <a:prstGeom prst="rect">
             <a:avLst/>
@@ -3298,23 +3656,230 @@
           <a:noFill/>
         </p:spPr>
         <p:txBody>
+          <a:bodyPr wrap="square" rtlCol="0">
+            <a:spAutoFit/>
+          </a:bodyPr>
+          <a:lstStyle/>
+          <a:p>
+            <a:r>
+              <a:rPr lang="zh-CN" altLang="zh-CN" sz="3200" dirty="0" smtClean="0">
+                <a:solidFill>
+                  <a:schemeClr val="bg1"/>
+                </a:solidFill>
+              </a:rPr>
+              <a:t>用户</a:t>
+            </a:r>
+            <a:r>
+              <a:rPr lang="zh-CN" altLang="zh-CN" sz="3200" dirty="0">
+                <a:solidFill>
+                  <a:schemeClr val="bg1"/>
+                </a:solidFill>
+              </a:rPr>
+              <a:t>、管理员、文章、类型、账户、评论、私信、反馈、日志</a:t>
+            </a:r>
+          </a:p>
+          <a:p>
+            <a:endParaRPr lang="zh-CN" altLang="en-US" sz="3200" dirty="0">
+              <a:solidFill>
+                <a:schemeClr val="bg1"/>
+              </a:solidFill>
+            </a:endParaRPr>
+          </a:p>
+        </p:txBody>
+      </p:sp>
+      <p:sp>
+        <p:nvSpPr>
+          <p:cNvPr id="3" name="文本框 2"/>
+          <p:cNvSpPr txBox="1"/>
+          <p:nvPr/>
+        </p:nvSpPr>
+        <p:spPr>
+          <a:xfrm>
+            <a:off x="647700" y="4114800"/>
+            <a:ext cx="2236510" cy="707886"/>
+          </a:xfrm>
+          <a:prstGeom prst="rect">
+            <a:avLst/>
+          </a:prstGeom>
+          <a:noFill/>
+        </p:spPr>
+        <p:txBody>
           <a:bodyPr wrap="none" rtlCol="0">
             <a:spAutoFit/>
           </a:bodyPr>
           <a:lstStyle/>
           <a:p>
             <a:r>
-              <a:rPr lang="zh-CN" altLang="en-US" dirty="0" smtClean="0"/>
-              <a:t>模型实例图</a:t>
-            </a:r>
-            <a:endParaRPr lang="zh-CN" altLang="en-US" dirty="0"/>
-          </a:p>
-        </p:txBody>
-      </p:sp>
+              <a:rPr lang="zh-CN" altLang="en-US" sz="4000" dirty="0" smtClean="0">
+                <a:solidFill>
+                  <a:schemeClr val="bg1"/>
+                </a:solidFill>
+                <a:latin typeface="黑体" panose="02010609060101010101" pitchFamily="49" charset="-122"/>
+                <a:ea typeface="黑体" panose="02010609060101010101" pitchFamily="49" charset="-122"/>
+              </a:rPr>
+              <a:t>提取超类</a:t>
+            </a:r>
+            <a:endParaRPr lang="zh-CN" altLang="en-US" sz="4000" dirty="0">
+              <a:solidFill>
+                <a:schemeClr val="bg1"/>
+              </a:solidFill>
+              <a:latin typeface="黑体" panose="02010609060101010101" pitchFamily="49" charset="-122"/>
+              <a:ea typeface="黑体" panose="02010609060101010101" pitchFamily="49" charset="-122"/>
+            </a:endParaRPr>
+          </a:p>
+        </p:txBody>
+      </p:sp>
+      <p:sp>
+        <p:nvSpPr>
+          <p:cNvPr id="5" name="文本框 4"/>
+          <p:cNvSpPr txBox="1"/>
+          <p:nvPr/>
+        </p:nvSpPr>
+        <p:spPr>
+          <a:xfrm>
+            <a:off x="647700" y="5539411"/>
+            <a:ext cx="2387048" cy="523220"/>
+          </a:xfrm>
+          <a:prstGeom prst="rect">
+            <a:avLst/>
+          </a:prstGeom>
+          <a:noFill/>
+        </p:spPr>
+        <p:txBody>
+          <a:bodyPr wrap="square" rtlCol="0">
+            <a:spAutoFit/>
+          </a:bodyPr>
+          <a:lstStyle/>
+          <a:p>
+            <a:r>
+              <a:rPr lang="zh-CN" altLang="en-US" sz="2800" dirty="0" smtClean="0">
+                <a:solidFill>
+                  <a:schemeClr val="bg1"/>
+                </a:solidFill>
+              </a:rPr>
+              <a:t>用户、管理员</a:t>
+            </a:r>
+            <a:endParaRPr lang="zh-CN" altLang="en-US" sz="2800" dirty="0">
+              <a:solidFill>
+                <a:schemeClr val="bg1"/>
+              </a:solidFill>
+            </a:endParaRPr>
+          </a:p>
+        </p:txBody>
+      </p:sp>
+      <p:sp>
+        <p:nvSpPr>
+          <p:cNvPr id="6" name="文本框 5"/>
+          <p:cNvSpPr txBox="1"/>
+          <p:nvPr/>
+        </p:nvSpPr>
+        <p:spPr>
+          <a:xfrm>
+            <a:off x="5128591" y="5535980"/>
+            <a:ext cx="902811" cy="523220"/>
+          </a:xfrm>
+          <a:prstGeom prst="rect">
+            <a:avLst/>
+          </a:prstGeom>
+          <a:noFill/>
+        </p:spPr>
+        <p:txBody>
+          <a:bodyPr wrap="none" rtlCol="0">
+            <a:spAutoFit/>
+          </a:bodyPr>
+          <a:lstStyle/>
+          <a:p>
+            <a:r>
+              <a:rPr lang="zh-CN" altLang="en-US" sz="2800" dirty="0" smtClean="0">
+                <a:solidFill>
+                  <a:schemeClr val="bg1"/>
+                </a:solidFill>
+              </a:rPr>
+              <a:t>用户</a:t>
+            </a:r>
+            <a:endParaRPr lang="zh-CN" altLang="en-US" sz="2800" dirty="0">
+              <a:solidFill>
+                <a:schemeClr val="bg1"/>
+              </a:solidFill>
+            </a:endParaRPr>
+          </a:p>
+        </p:txBody>
+      </p:sp>
+      <p:cxnSp>
+        <p:nvCxnSpPr>
+          <p:cNvPr id="8" name="直接箭头连接符 7"/>
+          <p:cNvCxnSpPr>
+            <a:endCxn id="6" idx="1"/>
+          </p:cNvCxnSpPr>
+          <p:nvPr/>
+        </p:nvCxnSpPr>
+        <p:spPr>
+          <a:xfrm>
+            <a:off x="2884210" y="5671930"/>
+            <a:ext cx="2244381" cy="125660"/>
+          </a:xfrm>
+          <a:prstGeom prst="straightConnector1">
+            <a:avLst/>
+          </a:prstGeom>
+          <a:ln>
+            <a:tailEnd type="triangle"/>
+          </a:ln>
+        </p:spPr>
+        <p:style>
+          <a:lnRef idx="1">
+            <a:schemeClr val="accent1"/>
+          </a:lnRef>
+          <a:fillRef idx="0">
+            <a:schemeClr val="accent1"/>
+          </a:fillRef>
+          <a:effectRef idx="0">
+            <a:schemeClr val="accent1"/>
+          </a:effectRef>
+          <a:fontRef idx="minor">
+            <a:schemeClr val="tx1"/>
+          </a:fontRef>
+        </p:style>
+      </p:cxnSp>
+      <p:cxnSp>
+        <p:nvCxnSpPr>
+          <p:cNvPr id="10" name="直接箭头连接符 9"/>
+          <p:cNvCxnSpPr/>
+          <p:nvPr/>
+        </p:nvCxnSpPr>
+        <p:spPr>
+          <a:xfrm>
+            <a:off x="3631096" y="5797590"/>
+            <a:ext cx="940904" cy="0"/>
+          </a:xfrm>
+          <a:prstGeom prst="straightConnector1">
+            <a:avLst/>
+          </a:prstGeom>
+          <a:ln w="63500">
+            <a:solidFill>
+              <a:schemeClr val="bg1"/>
+            </a:solidFill>
+            <a:tailEnd type="triangle"/>
+          </a:ln>
+        </p:spPr>
+        <p:style>
+          <a:lnRef idx="1">
+            <a:schemeClr val="accent1"/>
+          </a:lnRef>
+          <a:fillRef idx="0">
+            <a:schemeClr val="accent1"/>
+          </a:fillRef>
+          <a:effectRef idx="0">
+            <a:schemeClr val="accent1"/>
+          </a:effectRef>
+          <a:fontRef idx="minor">
+            <a:schemeClr val="tx1"/>
+          </a:fontRef>
+        </p:style>
+      </p:cxnSp>
     </p:spTree>
     <p:extLst>
       <p:ext uri="{BB962C8B-B14F-4D97-AF65-F5344CB8AC3E}">
-        <p14:creationId xmlns:p14="http://schemas.microsoft.com/office/powerpoint/2010/main" val="3812897686"/>
+        <p14:creationId xmlns:p14="http://schemas.microsoft.com/office/powerpoint/2010/main" val="1866104073"/>
       </p:ext>
     </p:extLst>
   </p:cSld>
@@ -3348,46 +3913,47 @@
           <a:chExt cx="0" cy="0"/>
         </a:xfrm>
       </p:grpSpPr>
-      <p:sp>
-        <p:nvSpPr>
-          <p:cNvPr id="4" name="文本框 3"/>
-          <p:cNvSpPr txBox="1"/>
+      <p:pic>
+        <p:nvPicPr>
+          <p:cNvPr id="2" name="图片 1"/>
+          <p:cNvPicPr>
+            <a:picLocks noChangeAspect="1"/>
+          </p:cNvPicPr>
           <p:nvPr/>
-        </p:nvSpPr>
-        <p:spPr>
-          <a:xfrm>
-            <a:off x="3934326" y="938463"/>
-            <a:ext cx="877163" cy="369332"/>
+        </p:nvPicPr>
+        <p:blipFill>
+          <a:blip r:embed="rId2"/>
+          <a:stretch>
+            <a:fillRect/>
+          </a:stretch>
+        </p:blipFill>
+        <p:spPr>
+          <a:xfrm>
+            <a:off x="2094177" y="304799"/>
+            <a:ext cx="8116624" cy="6358621"/>
           </a:xfrm>
           <a:prstGeom prst="rect">
             <a:avLst/>
           </a:prstGeom>
-          <a:noFill/>
-        </p:spPr>
-        <p:txBody>
-          <a:bodyPr wrap="none" rtlCol="0">
-            <a:spAutoFit/>
-          </a:bodyPr>
-          <a:lstStyle/>
-          <a:p>
-            <a:r>
-              <a:rPr lang="zh-CN" altLang="en-US" dirty="0" smtClean="0"/>
-              <a:t>时序图</a:t>
-            </a:r>
-            <a:endParaRPr lang="zh-CN" altLang="en-US" dirty="0"/>
-          </a:p>
-        </p:txBody>
-      </p:sp>
+        </p:spPr>
+      </p:pic>
     </p:spTree>
     <p:extLst>
       <p:ext uri="{BB962C8B-B14F-4D97-AF65-F5344CB8AC3E}">
-        <p14:creationId xmlns:p14="http://schemas.microsoft.com/office/powerpoint/2010/main" val="2467773543"/>
+        <p14:creationId xmlns:p14="http://schemas.microsoft.com/office/powerpoint/2010/main" val="3812897686"/>
       </p:ext>
     </p:extLst>
   </p:cSld>
   <p:clrMapOvr>
     <a:masterClrMapping/>
   </p:clrMapOvr>
+  <p:timing>
+    <p:tnLst>
+      <p:par>
+        <p:cTn id="1" dur="indefinite" restart="never" nodeType="tmRoot"/>
+      </p:par>
+    </p:tnLst>
+  </p:timing>
 </p:sld>
 </file>
 
@@ -3410,14 +3976,14 @@
       </p:grpSpPr>
       <p:sp>
         <p:nvSpPr>
-          <p:cNvPr id="4" name="文本框 3"/>
+          <p:cNvPr id="2" name="文本框 1"/>
           <p:cNvSpPr txBox="1"/>
           <p:nvPr/>
         </p:nvSpPr>
         <p:spPr>
           <a:xfrm>
-            <a:off x="4872790" y="1034716"/>
-            <a:ext cx="902811" cy="523220"/>
+            <a:off x="4784034" y="357809"/>
+            <a:ext cx="2492990" cy="646331"/>
           </a:xfrm>
           <a:prstGeom prst="rect">
             <a:avLst/>
@@ -3431,13 +3997,110 @@
           <a:lstStyle/>
           <a:p>
             <a:r>
-              <a:rPr lang="zh-CN" altLang="en-US" sz="2800" b="1" dirty="0" smtClean="0"/>
-              <a:t>总结</a:t>
-            </a:r>
-            <a:endParaRPr lang="zh-CN" altLang="en-US" sz="2800" b="1" dirty="0"/>
-          </a:p>
-        </p:txBody>
-      </p:sp>
+              <a:rPr lang="zh-CN" altLang="en-US" sz="3600" dirty="0" smtClean="0">
+                <a:solidFill>
+                  <a:schemeClr val="bg1"/>
+                </a:solidFill>
+                <a:latin typeface="黑体" panose="02010609060101010101" pitchFamily="49" charset="-122"/>
+                <a:ea typeface="黑体" panose="02010609060101010101" pitchFamily="49" charset="-122"/>
+              </a:rPr>
+              <a:t>用例模型图</a:t>
+            </a:r>
+            <a:endParaRPr lang="zh-CN" altLang="en-US" sz="3600" dirty="0">
+              <a:solidFill>
+                <a:schemeClr val="bg1"/>
+              </a:solidFill>
+              <a:latin typeface="黑体" panose="02010609060101010101" pitchFamily="49" charset="-122"/>
+              <a:ea typeface="黑体" panose="02010609060101010101" pitchFamily="49" charset="-122"/>
+            </a:endParaRPr>
+          </a:p>
+        </p:txBody>
+      </p:sp>
+      <p:pic>
+        <p:nvPicPr>
+          <p:cNvPr id="6" name="图片 5"/>
+          <p:cNvPicPr>
+            <a:picLocks noChangeAspect="1"/>
+          </p:cNvPicPr>
+          <p:nvPr/>
+        </p:nvPicPr>
+        <p:blipFill>
+          <a:blip r:embed="rId2"/>
+          <a:stretch>
+            <a:fillRect/>
+          </a:stretch>
+        </p:blipFill>
+        <p:spPr>
+          <a:xfrm>
+            <a:off x="3187161" y="0"/>
+            <a:ext cx="5686735" cy="6916487"/>
+          </a:xfrm>
+          <a:prstGeom prst="rect">
+            <a:avLst/>
+          </a:prstGeom>
+        </p:spPr>
+      </p:pic>
+    </p:spTree>
+    <p:extLst>
+      <p:ext uri="{BB962C8B-B14F-4D97-AF65-F5344CB8AC3E}">
+        <p14:creationId xmlns:p14="http://schemas.microsoft.com/office/powerpoint/2010/main" val="2467773543"/>
+      </p:ext>
+    </p:extLst>
+  </p:cSld>
+  <p:clrMapOvr>
+    <a:masterClrMapping/>
+  </p:clrMapOvr>
+  <p:timing>
+    <p:tnLst>
+      <p:par>
+        <p:cTn id="1" dur="indefinite" restart="never" nodeType="tmRoot"/>
+      </p:par>
+    </p:tnLst>
+  </p:timing>
+</p:sld>
+</file>
+
+<file path=ppt/slides/slide8.xml><?xml version="1.0" encoding="utf-8"?>
+<p:sld xmlns:a="http://schemas.openxmlformats.org/drawingml/2006/main" xmlns:r="http://schemas.openxmlformats.org/officeDocument/2006/relationships" xmlns:p="http://schemas.openxmlformats.org/presentationml/2006/main">
+  <p:cSld>
+    <p:spTree>
+      <p:nvGrpSpPr>
+        <p:cNvPr id="1" name=""/>
+        <p:cNvGrpSpPr/>
+        <p:nvPr/>
+      </p:nvGrpSpPr>
+      <p:grpSpPr>
+        <a:xfrm>
+          <a:off x="0" y="0"/>
+          <a:ext cx="0" cy="0"/>
+          <a:chOff x="0" y="0"/>
+          <a:chExt cx="0" cy="0"/>
+        </a:xfrm>
+      </p:grpSpPr>
+      <p:pic>
+        <p:nvPicPr>
+          <p:cNvPr id="5" name="图片 4"/>
+          <p:cNvPicPr>
+            <a:picLocks noChangeAspect="1"/>
+          </p:cNvPicPr>
+          <p:nvPr/>
+        </p:nvPicPr>
+        <p:blipFill>
+          <a:blip r:embed="rId2"/>
+          <a:stretch>
+            <a:fillRect/>
+          </a:stretch>
+        </p:blipFill>
+        <p:spPr>
+          <a:xfrm>
+            <a:off x="2695344" y="951815"/>
+            <a:ext cx="6249770" cy="5563970"/>
+          </a:xfrm>
+          <a:prstGeom prst="rect">
+            <a:avLst/>
+          </a:prstGeom>
+        </p:spPr>
+      </p:pic>
       <p:sp>
         <p:nvSpPr>
           <p:cNvPr id="6" name="文本框 5"/>
@@ -3446,8 +4109,8 @@
         </p:nvSpPr>
         <p:spPr>
           <a:xfrm>
-            <a:off x="1191127" y="2578951"/>
-            <a:ext cx="1338828" cy="369332"/>
+            <a:off x="5210628" y="248654"/>
+            <a:ext cx="1731564" cy="461665"/>
           </a:xfrm>
           <a:prstGeom prst="rect">
             <a:avLst/>
@@ -3461,23 +4124,83 @@
           <a:lstStyle/>
           <a:p>
             <a:r>
-              <a:rPr lang="zh-CN" altLang="en-US" dirty="0" smtClean="0"/>
-              <a:t>完成的内容</a:t>
-            </a:r>
-            <a:endParaRPr lang="zh-CN" altLang="en-US" dirty="0"/>
-          </a:p>
-        </p:txBody>
-      </p:sp>
-      <p:sp>
-        <p:nvSpPr>
-          <p:cNvPr id="7" name="文本框 6"/>
+              <a:rPr lang="zh-CN" altLang="en-US" sz="2400" b="1" dirty="0" smtClean="0">
+                <a:latin typeface="黑体" panose="02010609060101010101" pitchFamily="49" charset="-122"/>
+                <a:ea typeface="黑体" panose="02010609060101010101" pitchFamily="49" charset="-122"/>
+              </a:rPr>
+              <a:t>登录时序图</a:t>
+            </a:r>
+            <a:endParaRPr lang="zh-CN" altLang="en-US" sz="2400" b="1" dirty="0">
+              <a:latin typeface="黑体" panose="02010609060101010101" pitchFamily="49" charset="-122"/>
+              <a:ea typeface="黑体" panose="02010609060101010101" pitchFamily="49" charset="-122"/>
+            </a:endParaRPr>
+          </a:p>
+        </p:txBody>
+      </p:sp>
+    </p:spTree>
+    <p:extLst>
+      <p:ext uri="{BB962C8B-B14F-4D97-AF65-F5344CB8AC3E}">
+        <p14:creationId xmlns:p14="http://schemas.microsoft.com/office/powerpoint/2010/main" val="252676075"/>
+      </p:ext>
+    </p:extLst>
+  </p:cSld>
+  <p:clrMapOvr>
+    <a:masterClrMapping/>
+  </p:clrMapOvr>
+</p:sld>
+</file>
+
+<file path=ppt/slides/slide9.xml><?xml version="1.0" encoding="utf-8"?>
+<p:sld xmlns:a="http://schemas.openxmlformats.org/drawingml/2006/main" xmlns:r="http://schemas.openxmlformats.org/officeDocument/2006/relationships" xmlns:p="http://schemas.openxmlformats.org/presentationml/2006/main">
+  <p:cSld>
+    <p:spTree>
+      <p:nvGrpSpPr>
+        <p:cNvPr id="1" name=""/>
+        <p:cNvGrpSpPr/>
+        <p:nvPr/>
+      </p:nvGrpSpPr>
+      <p:grpSpPr>
+        <a:xfrm>
+          <a:off x="0" y="0"/>
+          <a:ext cx="0" cy="0"/>
+          <a:chOff x="0" y="0"/>
+          <a:chExt cx="0" cy="0"/>
+        </a:xfrm>
+      </p:grpSpPr>
+      <p:pic>
+        <p:nvPicPr>
+          <p:cNvPr id="4" name="图片 3"/>
+          <p:cNvPicPr>
+            <a:picLocks noChangeAspect="1"/>
+          </p:cNvPicPr>
+          <p:nvPr/>
+        </p:nvPicPr>
+        <p:blipFill>
+          <a:blip r:embed="rId2"/>
+          <a:stretch>
+            <a:fillRect/>
+          </a:stretch>
+        </p:blipFill>
+        <p:spPr>
+          <a:xfrm>
+            <a:off x="2013016" y="1155015"/>
+            <a:ext cx="7672481" cy="5563970"/>
+          </a:xfrm>
+          <a:prstGeom prst="rect">
+            <a:avLst/>
+          </a:prstGeom>
+        </p:spPr>
+      </p:pic>
+      <p:sp>
+        <p:nvSpPr>
+          <p:cNvPr id="5" name="文本框 4"/>
           <p:cNvSpPr txBox="1"/>
           <p:nvPr/>
         </p:nvSpPr>
         <p:spPr>
           <a:xfrm>
-            <a:off x="8975558" y="2578951"/>
-            <a:ext cx="1569660" cy="369332"/>
+            <a:off x="5109028" y="478971"/>
+            <a:ext cx="2339102" cy="461665"/>
           </a:xfrm>
           <a:prstGeom prst="rect">
             <a:avLst/>
@@ -3491,17 +4214,23 @@
           <a:lstStyle/>
           <a:p>
             <a:r>
-              <a:rPr lang="zh-CN" altLang="en-US" dirty="0" smtClean="0"/>
-              <a:t>待改进的地方</a:t>
-            </a:r>
-            <a:endParaRPr lang="zh-CN" altLang="en-US" dirty="0"/>
+              <a:rPr lang="zh-CN" altLang="en-US" sz="2400" dirty="0" smtClean="0">
+                <a:latin typeface="黑体" panose="02010609060101010101" pitchFamily="49" charset="-122"/>
+                <a:ea typeface="黑体" panose="02010609060101010101" pitchFamily="49" charset="-122"/>
+              </a:rPr>
+              <a:t>发表文章时序图</a:t>
+            </a:r>
+            <a:endParaRPr lang="zh-CN" altLang="en-US" sz="2400" dirty="0">
+              <a:latin typeface="黑体" panose="02010609060101010101" pitchFamily="49" charset="-122"/>
+              <a:ea typeface="黑体" panose="02010609060101010101" pitchFamily="49" charset="-122"/>
+            </a:endParaRPr>
           </a:p>
         </p:txBody>
       </p:sp>
     </p:spTree>
     <p:extLst>
       <p:ext uri="{BB962C8B-B14F-4D97-AF65-F5344CB8AC3E}">
-        <p14:creationId xmlns:p14="http://schemas.microsoft.com/office/powerpoint/2010/main" val="775442709"/>
+        <p14:creationId xmlns:p14="http://schemas.microsoft.com/office/powerpoint/2010/main" val="1552427035"/>
       </p:ext>
     </p:extLst>
   </p:cSld>
